--- a/presentation.pptx
+++ b/presentation.pptx
@@ -106,6 +106,11 @@
       </a:defRPr>
     </a:lvl9pPr>
   </p:defaultTextStyle>
+  <p:extLst>
+    <p:ext uri="{EFAFB233-063F-42B5-8137-9DF3F51BA10A}">
+      <p15:sldGuideLst xmlns:p15="http://schemas.microsoft.com/office/powerpoint/2012/main"/>
+    </p:ext>
+  </p:extLst>
 </p:presentation>
 </file>
 
@@ -159,7 +164,7 @@
           <a:noFill/>
           <a:extLst>
             <a:ext uri="{909E8E84-426E-40dd-AFC4-6F175D3DCCD1}">
-              <a14:hiddenFill xmlns:a14="http://schemas.microsoft.com/office/drawing/2010/main" xmlns="">
+              <a14:hiddenFill xmlns="" xmlns:a14="http://schemas.microsoft.com/office/drawing/2010/main">
                 <a:solidFill>
                   <a:srgbClr val="FFFFFF"/>
                 </a:solidFill>
@@ -219,7 +224,7 @@
             </a:ln>
             <a:extLst>
               <a:ext uri="{91240B29-F687-4f45-9708-019B960494DF}">
-                <a14:hiddenLine xmlns:a14="http://schemas.microsoft.com/office/drawing/2010/main" xmlns="" w="9525">
+                <a14:hiddenLine xmlns="" xmlns:a14="http://schemas.microsoft.com/office/drawing/2010/main" w="9525">
                   <a:solidFill>
                     <a:srgbClr val="000000"/>
                   </a:solidFill>
@@ -309,7 +314,7 @@
             </a:ln>
             <a:extLst>
               <a:ext uri="{91240B29-F687-4f45-9708-019B960494DF}">
-                <a14:hiddenLine xmlns:a14="http://schemas.microsoft.com/office/drawing/2010/main" xmlns="" w="9525">
+                <a14:hiddenLine xmlns="" xmlns:a14="http://schemas.microsoft.com/office/drawing/2010/main" w="9525">
                   <a:solidFill>
                     <a:srgbClr val="000000"/>
                   </a:solidFill>
@@ -399,7 +404,7 @@
             </a:ln>
             <a:extLst>
               <a:ext uri="{91240B29-F687-4f45-9708-019B960494DF}">
-                <a14:hiddenLine xmlns:a14="http://schemas.microsoft.com/office/drawing/2010/main" xmlns="" w="9525">
+                <a14:hiddenLine xmlns="" xmlns:a14="http://schemas.microsoft.com/office/drawing/2010/main" w="9525">
                   <a:solidFill>
                     <a:srgbClr val="000000"/>
                   </a:solidFill>
@@ -433,7 +438,7 @@
             </a:ln>
             <a:extLst>
               <a:ext uri="{91240B29-F687-4f45-9708-019B960494DF}">
-                <a14:hiddenLine xmlns:a14="http://schemas.microsoft.com/office/drawing/2010/main" xmlns="" w="9525">
+                <a14:hiddenLine xmlns="" xmlns:a14="http://schemas.microsoft.com/office/drawing/2010/main" w="9525">
                   <a:solidFill>
                     <a:srgbClr val="000000"/>
                   </a:solidFill>
@@ -523,7 +528,7 @@
             </a:ln>
             <a:extLst>
               <a:ext uri="{91240B29-F687-4f45-9708-019B960494DF}">
-                <a14:hiddenLine xmlns:a14="http://schemas.microsoft.com/office/drawing/2010/main" xmlns="" w="9525">
+                <a14:hiddenLine xmlns="" xmlns:a14="http://schemas.microsoft.com/office/drawing/2010/main" w="9525">
                   <a:solidFill>
                     <a:srgbClr val="000000"/>
                   </a:solidFill>
@@ -585,7 +590,7 @@
             </a:ln>
             <a:extLst>
               <a:ext uri="{91240B29-F687-4f45-9708-019B960494DF}">
-                <a14:hiddenLine xmlns:a14="http://schemas.microsoft.com/office/drawing/2010/main" xmlns="" w="9525">
+                <a14:hiddenLine xmlns="" xmlns:a14="http://schemas.microsoft.com/office/drawing/2010/main" w="9525">
                   <a:solidFill>
                     <a:srgbClr val="000000"/>
                   </a:solidFill>
@@ -647,7 +652,7 @@
             </a:ln>
             <a:extLst>
               <a:ext uri="{91240B29-F687-4f45-9708-019B960494DF}">
-                <a14:hiddenLine xmlns:a14="http://schemas.microsoft.com/office/drawing/2010/main" xmlns="" w="9525">
+                <a14:hiddenLine xmlns="" xmlns:a14="http://schemas.microsoft.com/office/drawing/2010/main" w="9525">
                   <a:solidFill>
                     <a:srgbClr val="000000"/>
                   </a:solidFill>
@@ -737,7 +742,7 @@
             </a:ln>
             <a:extLst>
               <a:ext uri="{91240B29-F687-4f45-9708-019B960494DF}">
-                <a14:hiddenLine xmlns:a14="http://schemas.microsoft.com/office/drawing/2010/main" xmlns="" w="9525">
+                <a14:hiddenLine xmlns="" xmlns:a14="http://schemas.microsoft.com/office/drawing/2010/main" w="9525">
                   <a:solidFill>
                     <a:srgbClr val="000000"/>
                   </a:solidFill>
@@ -799,7 +804,7 @@
             </a:ln>
             <a:extLst>
               <a:ext uri="{91240B29-F687-4f45-9708-019B960494DF}">
-                <a14:hiddenLine xmlns:a14="http://schemas.microsoft.com/office/drawing/2010/main" xmlns="" w="9525">
+                <a14:hiddenLine xmlns="" xmlns:a14="http://schemas.microsoft.com/office/drawing/2010/main" w="9525">
                   <a:solidFill>
                     <a:srgbClr val="000000"/>
                   </a:solidFill>
@@ -861,7 +866,7 @@
             </a:ln>
             <a:extLst>
               <a:ext uri="{91240B29-F687-4f45-9708-019B960494DF}">
-                <a14:hiddenLine xmlns:a14="http://schemas.microsoft.com/office/drawing/2010/main" xmlns="" w="9525">
+                <a14:hiddenLine xmlns="" xmlns:a14="http://schemas.microsoft.com/office/drawing/2010/main" w="9525">
                   <a:solidFill>
                     <a:srgbClr val="000000"/>
                   </a:solidFill>
@@ -951,7 +956,7 @@
             </a:ln>
             <a:extLst>
               <a:ext uri="{91240B29-F687-4f45-9708-019B960494DF}">
-                <a14:hiddenLine xmlns:a14="http://schemas.microsoft.com/office/drawing/2010/main" xmlns="" w="9525">
+                <a14:hiddenLine xmlns="" xmlns:a14="http://schemas.microsoft.com/office/drawing/2010/main" w="9525">
                   <a:solidFill>
                     <a:srgbClr val="000000"/>
                   </a:solidFill>
@@ -1041,7 +1046,7 @@
             </a:ln>
             <a:extLst>
               <a:ext uri="{91240B29-F687-4f45-9708-019B960494DF}">
-                <a14:hiddenLine xmlns:a14="http://schemas.microsoft.com/office/drawing/2010/main" xmlns="" w="9525">
+                <a14:hiddenLine xmlns="" xmlns:a14="http://schemas.microsoft.com/office/drawing/2010/main" w="9525">
                   <a:solidFill>
                     <a:srgbClr val="000000"/>
                   </a:solidFill>
@@ -1103,7 +1108,7 @@
             </a:ln>
             <a:extLst>
               <a:ext uri="{91240B29-F687-4f45-9708-019B960494DF}">
-                <a14:hiddenLine xmlns:a14="http://schemas.microsoft.com/office/drawing/2010/main" xmlns="" w="9525">
+                <a14:hiddenLine xmlns="" xmlns:a14="http://schemas.microsoft.com/office/drawing/2010/main" w="9525">
                   <a:solidFill>
                     <a:srgbClr val="000000"/>
                   </a:solidFill>
@@ -1213,7 +1218,7 @@
             </a:ln>
             <a:extLst>
               <a:ext uri="{91240B29-F687-4f45-9708-019B960494DF}">
-                <a14:hiddenLine xmlns:a14="http://schemas.microsoft.com/office/drawing/2010/main" xmlns="" w="9525">
+                <a14:hiddenLine xmlns="" xmlns:a14="http://schemas.microsoft.com/office/drawing/2010/main" w="9525">
                   <a:solidFill>
                     <a:srgbClr val="000000"/>
                   </a:solidFill>
@@ -1275,7 +1280,7 @@
             </a:ln>
             <a:extLst>
               <a:ext uri="{91240B29-F687-4f45-9708-019B960494DF}">
-                <a14:hiddenLine xmlns:a14="http://schemas.microsoft.com/office/drawing/2010/main" xmlns="" w="9525">
+                <a14:hiddenLine xmlns="" xmlns:a14="http://schemas.microsoft.com/office/drawing/2010/main" w="9525">
                   <a:solidFill>
                     <a:srgbClr val="000000"/>
                   </a:solidFill>
@@ -1365,7 +1370,7 @@
             </a:ln>
             <a:extLst>
               <a:ext uri="{91240B29-F687-4f45-9708-019B960494DF}">
-                <a14:hiddenLine xmlns:a14="http://schemas.microsoft.com/office/drawing/2010/main" xmlns="" w="9525">
+                <a14:hiddenLine xmlns="" xmlns:a14="http://schemas.microsoft.com/office/drawing/2010/main" w="9525">
                   <a:solidFill>
                     <a:srgbClr val="000000"/>
                   </a:solidFill>
@@ -1455,7 +1460,7 @@
             </a:ln>
             <a:extLst>
               <a:ext uri="{91240B29-F687-4f45-9708-019B960494DF}">
-                <a14:hiddenLine xmlns:a14="http://schemas.microsoft.com/office/drawing/2010/main" xmlns="" w="9525">
+                <a14:hiddenLine xmlns="" xmlns:a14="http://schemas.microsoft.com/office/drawing/2010/main" w="9525">
                   <a:solidFill>
                     <a:srgbClr val="000000"/>
                   </a:solidFill>
@@ -1517,7 +1522,7 @@
             </a:ln>
             <a:extLst>
               <a:ext uri="{91240B29-F687-4f45-9708-019B960494DF}">
-                <a14:hiddenLine xmlns:a14="http://schemas.microsoft.com/office/drawing/2010/main" xmlns="" w="9525">
+                <a14:hiddenLine xmlns="" xmlns:a14="http://schemas.microsoft.com/office/drawing/2010/main" w="9525">
                   <a:solidFill>
                     <a:srgbClr val="000000"/>
                   </a:solidFill>
@@ -1607,7 +1612,7 @@
             </a:ln>
             <a:extLst>
               <a:ext uri="{91240B29-F687-4f45-9708-019B960494DF}">
-                <a14:hiddenLine xmlns:a14="http://schemas.microsoft.com/office/drawing/2010/main" xmlns="" w="9525">
+                <a14:hiddenLine xmlns="" xmlns:a14="http://schemas.microsoft.com/office/drawing/2010/main" w="9525">
                   <a:solidFill>
                     <a:srgbClr val="000000"/>
                   </a:solidFill>
@@ -1697,7 +1702,7 @@
             </a:ln>
             <a:extLst>
               <a:ext uri="{91240B29-F687-4f45-9708-019B960494DF}">
-                <a14:hiddenLine xmlns:a14="http://schemas.microsoft.com/office/drawing/2010/main" xmlns="" w="9525">
+                <a14:hiddenLine xmlns="" xmlns:a14="http://schemas.microsoft.com/office/drawing/2010/main" w="9525">
                   <a:solidFill>
                     <a:srgbClr val="000000"/>
                   </a:solidFill>
@@ -1753,7 +1758,7 @@
             </a:ln>
             <a:extLst>
               <a:ext uri="{91240B29-F687-4f45-9708-019B960494DF}">
-                <a14:hiddenLine xmlns:a14="http://schemas.microsoft.com/office/drawing/2010/main" xmlns="" w="9525">
+                <a14:hiddenLine xmlns="" xmlns:a14="http://schemas.microsoft.com/office/drawing/2010/main" w="9525">
                   <a:solidFill>
                     <a:srgbClr val="000000"/>
                   </a:solidFill>
@@ -1843,7 +1848,7 @@
             </a:ln>
             <a:extLst>
               <a:ext uri="{91240B29-F687-4f45-9708-019B960494DF}">
-                <a14:hiddenLine xmlns:a14="http://schemas.microsoft.com/office/drawing/2010/main" xmlns="" w="9525">
+                <a14:hiddenLine xmlns="" xmlns:a14="http://schemas.microsoft.com/office/drawing/2010/main" w="9525">
                   <a:solidFill>
                     <a:srgbClr val="000000"/>
                   </a:solidFill>
@@ -1899,7 +1904,7 @@
             </a:ln>
             <a:extLst>
               <a:ext uri="{91240B29-F687-4f45-9708-019B960494DF}">
-                <a14:hiddenLine xmlns:a14="http://schemas.microsoft.com/office/drawing/2010/main" xmlns="" w="9525">
+                <a14:hiddenLine xmlns="" xmlns:a14="http://schemas.microsoft.com/office/drawing/2010/main" w="9525">
                   <a:solidFill>
                     <a:srgbClr val="000000"/>
                   </a:solidFill>
@@ -1989,7 +1994,7 @@
             </a:ln>
             <a:extLst>
               <a:ext uri="{91240B29-F687-4f45-9708-019B960494DF}">
-                <a14:hiddenLine xmlns:a14="http://schemas.microsoft.com/office/drawing/2010/main" xmlns="" w="9525">
+                <a14:hiddenLine xmlns="" xmlns:a14="http://schemas.microsoft.com/office/drawing/2010/main" w="9525">
                   <a:solidFill>
                     <a:srgbClr val="000000"/>
                   </a:solidFill>
@@ -2057,7 +2062,7 @@
             </a:ln>
             <a:extLst>
               <a:ext uri="{91240B29-F687-4f45-9708-019B960494DF}">
-                <a14:hiddenLine xmlns:a14="http://schemas.microsoft.com/office/drawing/2010/main" xmlns="" w="9525">
+                <a14:hiddenLine xmlns="" xmlns:a14="http://schemas.microsoft.com/office/drawing/2010/main" w="9525">
                   <a:solidFill>
                     <a:srgbClr val="000000"/>
                   </a:solidFill>
@@ -2147,7 +2152,7 @@
             </a:ln>
             <a:extLst>
               <a:ext uri="{91240B29-F687-4f45-9708-019B960494DF}">
-                <a14:hiddenLine xmlns:a14="http://schemas.microsoft.com/office/drawing/2010/main" xmlns="" w="9525">
+                <a14:hiddenLine xmlns="" xmlns:a14="http://schemas.microsoft.com/office/drawing/2010/main" w="9525">
                   <a:solidFill>
                     <a:srgbClr val="000000"/>
                   </a:solidFill>
@@ -2215,7 +2220,7 @@
             </a:ln>
             <a:extLst>
               <a:ext uri="{91240B29-F687-4f45-9708-019B960494DF}">
-                <a14:hiddenLine xmlns:a14="http://schemas.microsoft.com/office/drawing/2010/main" xmlns="" w="9525">
+                <a14:hiddenLine xmlns="" xmlns:a14="http://schemas.microsoft.com/office/drawing/2010/main" w="9525">
                   <a:solidFill>
                     <a:srgbClr val="000000"/>
                   </a:solidFill>
@@ -2305,7 +2310,7 @@
             </a:ln>
             <a:extLst>
               <a:ext uri="{91240B29-F687-4f45-9708-019B960494DF}">
-                <a14:hiddenLine xmlns:a14="http://schemas.microsoft.com/office/drawing/2010/main" xmlns="" w="9525">
+                <a14:hiddenLine xmlns="" xmlns:a14="http://schemas.microsoft.com/office/drawing/2010/main" w="9525">
                   <a:solidFill>
                     <a:srgbClr val="000000"/>
                   </a:solidFill>
@@ -2339,7 +2344,7 @@
             </a:ln>
             <a:extLst>
               <a:ext uri="{91240B29-F687-4f45-9708-019B960494DF}">
-                <a14:hiddenLine xmlns:a14="http://schemas.microsoft.com/office/drawing/2010/main" xmlns="" w="9525">
+                <a14:hiddenLine xmlns="" xmlns:a14="http://schemas.microsoft.com/office/drawing/2010/main" w="9525">
                   <a:solidFill>
                     <a:srgbClr val="000000"/>
                   </a:solidFill>
@@ -2429,7 +2434,7 @@
             </a:ln>
             <a:extLst>
               <a:ext uri="{91240B29-F687-4f45-9708-019B960494DF}">
-                <a14:hiddenLine xmlns:a14="http://schemas.microsoft.com/office/drawing/2010/main" xmlns="" w="9525">
+                <a14:hiddenLine xmlns="" xmlns:a14="http://schemas.microsoft.com/office/drawing/2010/main" w="9525">
                   <a:solidFill>
                     <a:srgbClr val="000000"/>
                   </a:solidFill>
@@ -2491,7 +2496,7 @@
             </a:ln>
             <a:extLst>
               <a:ext uri="{91240B29-F687-4f45-9708-019B960494DF}">
-                <a14:hiddenLine xmlns:a14="http://schemas.microsoft.com/office/drawing/2010/main" xmlns="" w="9525">
+                <a14:hiddenLine xmlns="" xmlns:a14="http://schemas.microsoft.com/office/drawing/2010/main" w="9525">
                   <a:solidFill>
                     <a:srgbClr val="000000"/>
                   </a:solidFill>
@@ -2553,7 +2558,7 @@
             </a:ln>
             <a:extLst>
               <a:ext uri="{91240B29-F687-4f45-9708-019B960494DF}">
-                <a14:hiddenLine xmlns:a14="http://schemas.microsoft.com/office/drawing/2010/main" xmlns="" w="9525">
+                <a14:hiddenLine xmlns="" xmlns:a14="http://schemas.microsoft.com/office/drawing/2010/main" w="9525">
                   <a:solidFill>
                     <a:srgbClr val="000000"/>
                   </a:solidFill>
@@ -2643,7 +2648,7 @@
             </a:ln>
             <a:extLst>
               <a:ext uri="{91240B29-F687-4f45-9708-019B960494DF}">
-                <a14:hiddenLine xmlns:a14="http://schemas.microsoft.com/office/drawing/2010/main" xmlns="" w="9525">
+                <a14:hiddenLine xmlns="" xmlns:a14="http://schemas.microsoft.com/office/drawing/2010/main" w="9525">
                   <a:solidFill>
                     <a:srgbClr val="000000"/>
                   </a:solidFill>
@@ -2711,7 +2716,7 @@
             </a:ln>
             <a:extLst>
               <a:ext uri="{91240B29-F687-4f45-9708-019B960494DF}">
-                <a14:hiddenLine xmlns:a14="http://schemas.microsoft.com/office/drawing/2010/main" xmlns="" w="9525">
+                <a14:hiddenLine xmlns="" xmlns:a14="http://schemas.microsoft.com/office/drawing/2010/main" w="9525">
                   <a:solidFill>
                     <a:srgbClr val="000000"/>
                   </a:solidFill>
@@ -2773,7 +2778,7 @@
             </a:ln>
             <a:extLst>
               <a:ext uri="{91240B29-F687-4f45-9708-019B960494DF}">
-                <a14:hiddenLine xmlns:a14="http://schemas.microsoft.com/office/drawing/2010/main" xmlns="" w="9525">
+                <a14:hiddenLine xmlns="" xmlns:a14="http://schemas.microsoft.com/office/drawing/2010/main" w="9525">
                   <a:solidFill>
                     <a:srgbClr val="000000"/>
                   </a:solidFill>
@@ -2863,7 +2868,7 @@
             </a:ln>
             <a:extLst>
               <a:ext uri="{91240B29-F687-4f45-9708-019B960494DF}">
-                <a14:hiddenLine xmlns:a14="http://schemas.microsoft.com/office/drawing/2010/main" xmlns="" w="9525">
+                <a14:hiddenLine xmlns="" xmlns:a14="http://schemas.microsoft.com/office/drawing/2010/main" w="9525">
                   <a:solidFill>
                     <a:srgbClr val="000000"/>
                   </a:solidFill>
@@ -2925,7 +2930,7 @@
             </a:ln>
             <a:extLst>
               <a:ext uri="{91240B29-F687-4f45-9708-019B960494DF}">
-                <a14:hiddenLine xmlns:a14="http://schemas.microsoft.com/office/drawing/2010/main" xmlns="" w="9525">
+                <a14:hiddenLine xmlns="" xmlns:a14="http://schemas.microsoft.com/office/drawing/2010/main" w="9525">
                   <a:solidFill>
                     <a:srgbClr val="000000"/>
                   </a:solidFill>
@@ -3015,7 +3020,7 @@
             </a:ln>
             <a:extLst>
               <a:ext uri="{91240B29-F687-4f45-9708-019B960494DF}">
-                <a14:hiddenLine xmlns:a14="http://schemas.microsoft.com/office/drawing/2010/main" xmlns="" w="9525">
+                <a14:hiddenLine xmlns="" xmlns:a14="http://schemas.microsoft.com/office/drawing/2010/main" w="9525">
                   <a:solidFill>
                     <a:srgbClr val="000000"/>
                   </a:solidFill>
@@ -3077,7 +3082,7 @@
             </a:ln>
             <a:extLst>
               <a:ext uri="{91240B29-F687-4f45-9708-019B960494DF}">
-                <a14:hiddenLine xmlns:a14="http://schemas.microsoft.com/office/drawing/2010/main" xmlns="" w="9525">
+                <a14:hiddenLine xmlns="" xmlns:a14="http://schemas.microsoft.com/office/drawing/2010/main" w="9525">
                   <a:solidFill>
                     <a:srgbClr val="000000"/>
                   </a:solidFill>
@@ -3167,7 +3172,7 @@
             </a:ln>
             <a:extLst>
               <a:ext uri="{91240B29-F687-4f45-9708-019B960494DF}">
-                <a14:hiddenLine xmlns:a14="http://schemas.microsoft.com/office/drawing/2010/main" xmlns="" w="9525">
+                <a14:hiddenLine xmlns="" xmlns:a14="http://schemas.microsoft.com/office/drawing/2010/main" w="9525">
                   <a:solidFill>
                     <a:srgbClr val="000000"/>
                   </a:solidFill>
@@ -3201,7 +3206,7 @@
             </a:ln>
             <a:extLst>
               <a:ext uri="{91240B29-F687-4f45-9708-019B960494DF}">
-                <a14:hiddenLine xmlns:a14="http://schemas.microsoft.com/office/drawing/2010/main" xmlns="" w="9525">
+                <a14:hiddenLine xmlns="" xmlns:a14="http://schemas.microsoft.com/office/drawing/2010/main" w="9525">
                   <a:solidFill>
                     <a:srgbClr val="000000"/>
                   </a:solidFill>
@@ -3266,7 +3271,7 @@
             </a:ln>
             <a:extLst>
               <a:ext uri="{91240B29-F687-4f45-9708-019B960494DF}">
-                <a14:hiddenLine xmlns:a14="http://schemas.microsoft.com/office/drawing/2010/main" xmlns="" w="9525">
+                <a14:hiddenLine xmlns="" xmlns:a14="http://schemas.microsoft.com/office/drawing/2010/main" w="9525">
                   <a:solidFill>
                     <a:srgbClr val="000000"/>
                   </a:solidFill>
@@ -3356,7 +3361,7 @@
             </a:ln>
             <a:extLst>
               <a:ext uri="{91240B29-F687-4f45-9708-019B960494DF}">
-                <a14:hiddenLine xmlns:a14="http://schemas.microsoft.com/office/drawing/2010/main" xmlns="" w="9525">
+                <a14:hiddenLine xmlns="" xmlns:a14="http://schemas.microsoft.com/office/drawing/2010/main" w="9525">
                   <a:solidFill>
                     <a:srgbClr val="000000"/>
                   </a:solidFill>
@@ -3418,7 +3423,7 @@
             </a:ln>
             <a:extLst>
               <a:ext uri="{91240B29-F687-4f45-9708-019B960494DF}">
-                <a14:hiddenLine xmlns:a14="http://schemas.microsoft.com/office/drawing/2010/main" xmlns="" w="9525">
+                <a14:hiddenLine xmlns="" xmlns:a14="http://schemas.microsoft.com/office/drawing/2010/main" w="9525">
                   <a:solidFill>
                     <a:srgbClr val="000000"/>
                   </a:solidFill>
@@ -3508,7 +3513,7 @@
             </a:ln>
             <a:extLst>
               <a:ext uri="{91240B29-F687-4f45-9708-019B960494DF}">
-                <a14:hiddenLine xmlns:a14="http://schemas.microsoft.com/office/drawing/2010/main" xmlns="" w="9525">
+                <a14:hiddenLine xmlns="" xmlns:a14="http://schemas.microsoft.com/office/drawing/2010/main" w="9525">
                   <a:solidFill>
                     <a:srgbClr val="000000"/>
                   </a:solidFill>
@@ -3598,7 +3603,7 @@
             </a:ln>
             <a:extLst>
               <a:ext uri="{91240B29-F687-4f45-9708-019B960494DF}">
-                <a14:hiddenLine xmlns:a14="http://schemas.microsoft.com/office/drawing/2010/main" xmlns="" w="9525">
+                <a14:hiddenLine xmlns="" xmlns:a14="http://schemas.microsoft.com/office/drawing/2010/main" w="9525">
                   <a:solidFill>
                     <a:srgbClr val="000000"/>
                   </a:solidFill>
@@ -3663,7 +3668,7 @@
             </a:ln>
             <a:extLst>
               <a:ext uri="{91240B29-F687-4f45-9708-019B960494DF}">
-                <a14:hiddenLine xmlns:a14="http://schemas.microsoft.com/office/drawing/2010/main" xmlns="" w="9525">
+                <a14:hiddenLine xmlns="" xmlns:a14="http://schemas.microsoft.com/office/drawing/2010/main" w="9525">
                   <a:solidFill>
                     <a:srgbClr val="000000"/>
                   </a:solidFill>
@@ -3725,7 +3730,7 @@
             </a:ln>
             <a:extLst>
               <a:ext uri="{91240B29-F687-4f45-9708-019B960494DF}">
-                <a14:hiddenLine xmlns:a14="http://schemas.microsoft.com/office/drawing/2010/main" xmlns="" w="9525">
+                <a14:hiddenLine xmlns="" xmlns:a14="http://schemas.microsoft.com/office/drawing/2010/main" w="9525">
                   <a:solidFill>
                     <a:srgbClr val="000000"/>
                   </a:solidFill>
@@ -3815,7 +3820,7 @@
             </a:ln>
             <a:extLst>
               <a:ext uri="{91240B29-F687-4f45-9708-019B960494DF}">
-                <a14:hiddenLine xmlns:a14="http://schemas.microsoft.com/office/drawing/2010/main" xmlns="" w="9525">
+                <a14:hiddenLine xmlns="" xmlns:a14="http://schemas.microsoft.com/office/drawing/2010/main" w="9525">
                   <a:solidFill>
                     <a:srgbClr val="000000"/>
                   </a:solidFill>
@@ -3905,7 +3910,7 @@
             </a:ln>
             <a:extLst>
               <a:ext uri="{91240B29-F687-4f45-9708-019B960494DF}">
-                <a14:hiddenLine xmlns:a14="http://schemas.microsoft.com/office/drawing/2010/main" xmlns="" w="9525">
+                <a14:hiddenLine xmlns="" xmlns:a14="http://schemas.microsoft.com/office/drawing/2010/main" w="9525">
                   <a:solidFill>
                     <a:srgbClr val="000000"/>
                   </a:solidFill>
@@ -3967,7 +3972,7 @@
             </a:ln>
             <a:extLst>
               <a:ext uri="{91240B29-F687-4f45-9708-019B960494DF}">
-                <a14:hiddenLine xmlns:a14="http://schemas.microsoft.com/office/drawing/2010/main" xmlns="" w="9525">
+                <a14:hiddenLine xmlns="" xmlns:a14="http://schemas.microsoft.com/office/drawing/2010/main" w="9525">
                   <a:solidFill>
                     <a:srgbClr val="000000"/>
                   </a:solidFill>
@@ -4087,7 +4092,7 @@
             </a:ln>
             <a:extLst>
               <a:ext uri="{91240B29-F687-4f45-9708-019B960494DF}">
-                <a14:hiddenLine xmlns:a14="http://schemas.microsoft.com/office/drawing/2010/main" xmlns="" w="9525">
+                <a14:hiddenLine xmlns="" xmlns:a14="http://schemas.microsoft.com/office/drawing/2010/main" w="9525">
                   <a:solidFill>
                     <a:srgbClr val="000000"/>
                   </a:solidFill>
@@ -4155,7 +4160,7 @@
             </a:ln>
             <a:extLst>
               <a:ext uri="{91240B29-F687-4f45-9708-019B960494DF}">
-                <a14:hiddenLine xmlns:a14="http://schemas.microsoft.com/office/drawing/2010/main" xmlns="" w="9525">
+                <a14:hiddenLine xmlns="" xmlns:a14="http://schemas.microsoft.com/office/drawing/2010/main" w="9525">
                   <a:solidFill>
                     <a:srgbClr val="000000"/>
                   </a:solidFill>
@@ -4245,7 +4250,7 @@
             </a:ln>
             <a:extLst>
               <a:ext uri="{91240B29-F687-4f45-9708-019B960494DF}">
-                <a14:hiddenLine xmlns:a14="http://schemas.microsoft.com/office/drawing/2010/main" xmlns="" w="9525">
+                <a14:hiddenLine xmlns="" xmlns:a14="http://schemas.microsoft.com/office/drawing/2010/main" w="9525">
                   <a:solidFill>
                     <a:srgbClr val="000000"/>
                   </a:solidFill>
@@ -8967,7 +8972,7 @@
           <a:noFill/>
           <a:extLst>
             <a:ext uri="{909E8E84-426E-40dd-AFC4-6F175D3DCCD1}">
-              <a14:hiddenFill xmlns:a14="http://schemas.microsoft.com/office/drawing/2010/main" xmlns="">
+              <a14:hiddenFill xmlns="" xmlns:a14="http://schemas.microsoft.com/office/drawing/2010/main">
                 <a:solidFill>
                   <a:srgbClr val="FFFFFF"/>
                 </a:solidFill>
@@ -9041,7 +9046,7 @@
               </a:ln>
               <a:extLst>
                 <a:ext uri="{91240B29-F687-4f45-9708-019B960494DF}">
-                  <a14:hiddenLine xmlns:a14="http://schemas.microsoft.com/office/drawing/2010/main" xmlns="" w="9525">
+                  <a14:hiddenLine xmlns="" xmlns:a14="http://schemas.microsoft.com/office/drawing/2010/main" w="9525">
                     <a:solidFill>
                       <a:srgbClr val="000000"/>
                     </a:solidFill>
@@ -9131,7 +9136,7 @@
               </a:ln>
               <a:extLst>
                 <a:ext uri="{91240B29-F687-4f45-9708-019B960494DF}">
-                  <a14:hiddenLine xmlns:a14="http://schemas.microsoft.com/office/drawing/2010/main" xmlns="" w="9525">
+                  <a14:hiddenLine xmlns="" xmlns:a14="http://schemas.microsoft.com/office/drawing/2010/main" w="9525">
                     <a:solidFill>
                       <a:srgbClr val="000000"/>
                     </a:solidFill>
@@ -9221,7 +9226,7 @@
               </a:ln>
               <a:extLst>
                 <a:ext uri="{91240B29-F687-4f45-9708-019B960494DF}">
-                  <a14:hiddenLine xmlns:a14="http://schemas.microsoft.com/office/drawing/2010/main" xmlns="" w="9525">
+                  <a14:hiddenLine xmlns="" xmlns:a14="http://schemas.microsoft.com/office/drawing/2010/main" w="9525">
                     <a:solidFill>
                       <a:srgbClr val="000000"/>
                     </a:solidFill>
@@ -9283,7 +9288,7 @@
               </a:ln>
               <a:extLst>
                 <a:ext uri="{91240B29-F687-4f45-9708-019B960494DF}">
-                  <a14:hiddenLine xmlns:a14="http://schemas.microsoft.com/office/drawing/2010/main" xmlns="" w="9525">
+                  <a14:hiddenLine xmlns="" xmlns:a14="http://schemas.microsoft.com/office/drawing/2010/main" w="9525">
                     <a:solidFill>
                       <a:srgbClr val="000000"/>
                     </a:solidFill>
@@ -9373,7 +9378,7 @@
               </a:ln>
               <a:extLst>
                 <a:ext uri="{91240B29-F687-4f45-9708-019B960494DF}">
-                  <a14:hiddenLine xmlns:a14="http://schemas.microsoft.com/office/drawing/2010/main" xmlns="" w="9525">
+                  <a14:hiddenLine xmlns="" xmlns:a14="http://schemas.microsoft.com/office/drawing/2010/main" w="9525">
                     <a:solidFill>
                       <a:srgbClr val="000000"/>
                     </a:solidFill>
@@ -9435,7 +9440,7 @@
               </a:ln>
               <a:extLst>
                 <a:ext uri="{91240B29-F687-4f45-9708-019B960494DF}">
-                  <a14:hiddenLine xmlns:a14="http://schemas.microsoft.com/office/drawing/2010/main" xmlns="" w="9525">
+                  <a14:hiddenLine xmlns="" xmlns:a14="http://schemas.microsoft.com/office/drawing/2010/main" w="9525">
                     <a:solidFill>
                       <a:srgbClr val="000000"/>
                     </a:solidFill>
@@ -9497,7 +9502,7 @@
               </a:ln>
               <a:extLst>
                 <a:ext uri="{91240B29-F687-4f45-9708-019B960494DF}">
-                  <a14:hiddenLine xmlns:a14="http://schemas.microsoft.com/office/drawing/2010/main" xmlns="" w="9525">
+                  <a14:hiddenLine xmlns="" xmlns:a14="http://schemas.microsoft.com/office/drawing/2010/main" w="9525">
                     <a:solidFill>
                       <a:srgbClr val="000000"/>
                     </a:solidFill>
@@ -9587,7 +9592,7 @@
               </a:ln>
               <a:extLst>
                 <a:ext uri="{91240B29-F687-4f45-9708-019B960494DF}">
-                  <a14:hiddenLine xmlns:a14="http://schemas.microsoft.com/office/drawing/2010/main" xmlns="" w="9525">
+                  <a14:hiddenLine xmlns="" xmlns:a14="http://schemas.microsoft.com/office/drawing/2010/main" w="9525">
                     <a:solidFill>
                       <a:srgbClr val="000000"/>
                     </a:solidFill>
@@ -9677,7 +9682,7 @@
               </a:ln>
               <a:extLst>
                 <a:ext uri="{91240B29-F687-4f45-9708-019B960494DF}">
-                  <a14:hiddenLine xmlns:a14="http://schemas.microsoft.com/office/drawing/2010/main" xmlns="" w="9525">
+                  <a14:hiddenLine xmlns="" xmlns:a14="http://schemas.microsoft.com/office/drawing/2010/main" w="9525">
                     <a:solidFill>
                       <a:srgbClr val="000000"/>
                     </a:solidFill>
@@ -9739,7 +9744,7 @@
               </a:ln>
               <a:extLst>
                 <a:ext uri="{91240B29-F687-4f45-9708-019B960494DF}">
-                  <a14:hiddenLine xmlns:a14="http://schemas.microsoft.com/office/drawing/2010/main" xmlns="" w="9525">
+                  <a14:hiddenLine xmlns="" xmlns:a14="http://schemas.microsoft.com/office/drawing/2010/main" w="9525">
                     <a:solidFill>
                       <a:srgbClr val="000000"/>
                     </a:solidFill>
@@ -9849,7 +9854,7 @@
               </a:ln>
               <a:extLst>
                 <a:ext uri="{91240B29-F687-4f45-9708-019B960494DF}">
-                  <a14:hiddenLine xmlns:a14="http://schemas.microsoft.com/office/drawing/2010/main" xmlns="" w="9525">
+                  <a14:hiddenLine xmlns="" xmlns:a14="http://schemas.microsoft.com/office/drawing/2010/main" w="9525">
                     <a:solidFill>
                       <a:srgbClr val="000000"/>
                     </a:solidFill>
@@ -9933,7 +9938,7 @@
               </a:ln>
               <a:extLst>
                 <a:ext uri="{91240B29-F687-4f45-9708-019B960494DF}">
-                  <a14:hiddenLine xmlns:a14="http://schemas.microsoft.com/office/drawing/2010/main" xmlns="" w="9525">
+                  <a14:hiddenLine xmlns="" xmlns:a14="http://schemas.microsoft.com/office/drawing/2010/main" w="9525">
                     <a:solidFill>
                       <a:srgbClr val="000000"/>
                     </a:solidFill>
@@ -9995,7 +10000,7 @@
               </a:ln>
               <a:extLst>
                 <a:ext uri="{91240B29-F687-4f45-9708-019B960494DF}">
-                  <a14:hiddenLine xmlns:a14="http://schemas.microsoft.com/office/drawing/2010/main" xmlns="" w="9525">
+                  <a14:hiddenLine xmlns="" xmlns:a14="http://schemas.microsoft.com/office/drawing/2010/main" w="9525">
                     <a:solidFill>
                       <a:srgbClr val="000000"/>
                     </a:solidFill>
@@ -10057,7 +10062,7 @@
               </a:ln>
               <a:extLst>
                 <a:ext uri="{91240B29-F687-4f45-9708-019B960494DF}">
-                  <a14:hiddenLine xmlns:a14="http://schemas.microsoft.com/office/drawing/2010/main" xmlns="" w="9525">
+                  <a14:hiddenLine xmlns="" xmlns:a14="http://schemas.microsoft.com/office/drawing/2010/main" w="9525">
                     <a:solidFill>
                       <a:srgbClr val="000000"/>
                     </a:solidFill>
@@ -10147,7 +10152,7 @@
               </a:ln>
               <a:extLst>
                 <a:ext uri="{91240B29-F687-4f45-9708-019B960494DF}">
-                  <a14:hiddenLine xmlns:a14="http://schemas.microsoft.com/office/drawing/2010/main" xmlns="" w="9525">
+                  <a14:hiddenLine xmlns="" xmlns:a14="http://schemas.microsoft.com/office/drawing/2010/main" w="9525">
                     <a:solidFill>
                       <a:srgbClr val="000000"/>
                     </a:solidFill>
@@ -10181,7 +10186,7 @@
               </a:ln>
               <a:extLst>
                 <a:ext uri="{91240B29-F687-4f45-9708-019B960494DF}">
-                  <a14:hiddenLine xmlns:a14="http://schemas.microsoft.com/office/drawing/2010/main" xmlns="" w="9525">
+                  <a14:hiddenLine xmlns="" xmlns:a14="http://schemas.microsoft.com/office/drawing/2010/main" w="9525">
                     <a:solidFill>
                       <a:srgbClr val="000000"/>
                     </a:solidFill>
@@ -10246,7 +10251,7 @@
               </a:ln>
               <a:extLst>
                 <a:ext uri="{91240B29-F687-4f45-9708-019B960494DF}">
-                  <a14:hiddenLine xmlns:a14="http://schemas.microsoft.com/office/drawing/2010/main" xmlns="" w="9525">
+                  <a14:hiddenLine xmlns="" xmlns:a14="http://schemas.microsoft.com/office/drawing/2010/main" w="9525">
                     <a:solidFill>
                       <a:srgbClr val="000000"/>
                     </a:solidFill>
@@ -10336,7 +10341,7 @@
               </a:ln>
               <a:extLst>
                 <a:ext uri="{91240B29-F687-4f45-9708-019B960494DF}">
-                  <a14:hiddenLine xmlns:a14="http://schemas.microsoft.com/office/drawing/2010/main" xmlns="" w="9525">
+                  <a14:hiddenLine xmlns="" xmlns:a14="http://schemas.microsoft.com/office/drawing/2010/main" w="9525">
                     <a:solidFill>
                       <a:srgbClr val="000000"/>
                     </a:solidFill>
@@ -10398,7 +10403,7 @@
               </a:ln>
               <a:extLst>
                 <a:ext uri="{91240B29-F687-4f45-9708-019B960494DF}">
-                  <a14:hiddenLine xmlns:a14="http://schemas.microsoft.com/office/drawing/2010/main" xmlns="" w="9525">
+                  <a14:hiddenLine xmlns="" xmlns:a14="http://schemas.microsoft.com/office/drawing/2010/main" w="9525">
                     <a:solidFill>
                       <a:srgbClr val="000000"/>
                     </a:solidFill>
@@ -10488,7 +10493,7 @@
               </a:ln>
               <a:extLst>
                 <a:ext uri="{91240B29-F687-4f45-9708-019B960494DF}">
-                  <a14:hiddenLine xmlns:a14="http://schemas.microsoft.com/office/drawing/2010/main" xmlns="" w="9525">
+                  <a14:hiddenLine xmlns="" xmlns:a14="http://schemas.microsoft.com/office/drawing/2010/main" w="9525">
                     <a:solidFill>
                       <a:srgbClr val="000000"/>
                     </a:solidFill>
@@ -10553,7 +10558,7 @@
               </a:ln>
               <a:extLst>
                 <a:ext uri="{91240B29-F687-4f45-9708-019B960494DF}">
-                  <a14:hiddenLine xmlns:a14="http://schemas.microsoft.com/office/drawing/2010/main" xmlns="" w="9525">
+                  <a14:hiddenLine xmlns="" xmlns:a14="http://schemas.microsoft.com/office/drawing/2010/main" w="9525">
                     <a:solidFill>
                       <a:srgbClr val="000000"/>
                     </a:solidFill>
@@ -10615,7 +10620,7 @@
               </a:ln>
               <a:extLst>
                 <a:ext uri="{91240B29-F687-4f45-9708-019B960494DF}">
-                  <a14:hiddenLine xmlns:a14="http://schemas.microsoft.com/office/drawing/2010/main" xmlns="" w="9525">
+                  <a14:hiddenLine xmlns="" xmlns:a14="http://schemas.microsoft.com/office/drawing/2010/main" w="9525">
                     <a:solidFill>
                       <a:srgbClr val="000000"/>
                     </a:solidFill>
@@ -10705,7 +10710,7 @@
               </a:ln>
               <a:extLst>
                 <a:ext uri="{91240B29-F687-4f45-9708-019B960494DF}">
-                  <a14:hiddenLine xmlns:a14="http://schemas.microsoft.com/office/drawing/2010/main" xmlns="" w="9525">
+                  <a14:hiddenLine xmlns="" xmlns:a14="http://schemas.microsoft.com/office/drawing/2010/main" w="9525">
                     <a:solidFill>
                       <a:srgbClr val="000000"/>
                     </a:solidFill>
@@ -10795,7 +10800,7 @@
               </a:ln>
               <a:extLst>
                 <a:ext uri="{91240B29-F687-4f45-9708-019B960494DF}">
-                  <a14:hiddenLine xmlns:a14="http://schemas.microsoft.com/office/drawing/2010/main" xmlns="" w="9525">
+                  <a14:hiddenLine xmlns="" xmlns:a14="http://schemas.microsoft.com/office/drawing/2010/main" w="9525">
                     <a:solidFill>
                       <a:srgbClr val="000000"/>
                     </a:solidFill>
@@ -10860,7 +10865,7 @@
               </a:ln>
               <a:extLst>
                 <a:ext uri="{91240B29-F687-4f45-9708-019B960494DF}">
-                  <a14:hiddenLine xmlns:a14="http://schemas.microsoft.com/office/drawing/2010/main" xmlns="" w="9525">
+                  <a14:hiddenLine xmlns="" xmlns:a14="http://schemas.microsoft.com/office/drawing/2010/main" w="9525">
                     <a:solidFill>
                       <a:srgbClr val="000000"/>
                     </a:solidFill>
@@ -10980,7 +10985,7 @@
               </a:ln>
               <a:extLst>
                 <a:ext uri="{91240B29-F687-4f45-9708-019B960494DF}">
-                  <a14:hiddenLine xmlns:a14="http://schemas.microsoft.com/office/drawing/2010/main" xmlns="" w="9525">
+                  <a14:hiddenLine xmlns="" xmlns:a14="http://schemas.microsoft.com/office/drawing/2010/main" w="9525">
                     <a:solidFill>
                       <a:srgbClr val="000000"/>
                     </a:solidFill>
@@ -11078,7 +11083,7 @@
               </a:ln>
               <a:extLst>
                 <a:ext uri="{91240B29-F687-4f45-9708-019B960494DF}">
-                  <a14:hiddenLine xmlns:a14="http://schemas.microsoft.com/office/drawing/2010/main" xmlns="" w="9525">
+                  <a14:hiddenLine xmlns="" xmlns:a14="http://schemas.microsoft.com/office/drawing/2010/main" w="9525">
                     <a:solidFill>
                       <a:srgbClr val="000000"/>
                     </a:solidFill>
@@ -11193,7 +11198,7 @@
               </a:ln>
               <a:extLst>
                 <a:ext uri="{91240B29-F687-4f45-9708-019B960494DF}">
-                  <a14:hiddenLine xmlns:a14="http://schemas.microsoft.com/office/drawing/2010/main" xmlns="" w="9525">
+                  <a14:hiddenLine xmlns="" xmlns:a14="http://schemas.microsoft.com/office/drawing/2010/main" w="9525">
                     <a:solidFill>
                       <a:srgbClr val="000000"/>
                     </a:solidFill>
@@ -11283,7 +11288,7 @@
               </a:ln>
               <a:extLst>
                 <a:ext uri="{91240B29-F687-4f45-9708-019B960494DF}">
-                  <a14:hiddenLine xmlns:a14="http://schemas.microsoft.com/office/drawing/2010/main" xmlns="" w="9525">
+                  <a14:hiddenLine xmlns="" xmlns:a14="http://schemas.microsoft.com/office/drawing/2010/main" w="9525">
                     <a:solidFill>
                       <a:srgbClr val="000000"/>
                     </a:solidFill>
@@ -11348,7 +11353,7 @@
               </a:ln>
               <a:extLst>
                 <a:ext uri="{91240B29-F687-4f45-9708-019B960494DF}">
-                  <a14:hiddenLine xmlns:a14="http://schemas.microsoft.com/office/drawing/2010/main" xmlns="" w="9525">
+                  <a14:hiddenLine xmlns="" xmlns:a14="http://schemas.microsoft.com/office/drawing/2010/main" w="9525">
                     <a:solidFill>
                       <a:srgbClr val="000000"/>
                     </a:solidFill>
@@ -11438,7 +11443,7 @@
               </a:ln>
               <a:extLst>
                 <a:ext uri="{91240B29-F687-4f45-9708-019B960494DF}">
-                  <a14:hiddenLine xmlns:a14="http://schemas.microsoft.com/office/drawing/2010/main" xmlns="" w="9525">
+                  <a14:hiddenLine xmlns="" xmlns:a14="http://schemas.microsoft.com/office/drawing/2010/main" w="9525">
                     <a:solidFill>
                       <a:srgbClr val="000000"/>
                     </a:solidFill>
@@ -11506,7 +11511,7 @@
               </a:ln>
               <a:extLst>
                 <a:ext uri="{91240B29-F687-4f45-9708-019B960494DF}">
-                  <a14:hiddenLine xmlns:a14="http://schemas.microsoft.com/office/drawing/2010/main" xmlns="" w="9525">
+                  <a14:hiddenLine xmlns="" xmlns:a14="http://schemas.microsoft.com/office/drawing/2010/main" w="9525">
                     <a:solidFill>
                       <a:srgbClr val="000000"/>
                     </a:solidFill>
@@ -11596,7 +11601,7 @@
               </a:ln>
               <a:extLst>
                 <a:ext uri="{91240B29-F687-4f45-9708-019B960494DF}">
-                  <a14:hiddenLine xmlns:a14="http://schemas.microsoft.com/office/drawing/2010/main" xmlns="" w="9525">
+                  <a14:hiddenLine xmlns="" xmlns:a14="http://schemas.microsoft.com/office/drawing/2010/main" w="9525">
                     <a:solidFill>
                       <a:srgbClr val="000000"/>
                     </a:solidFill>
@@ -11664,7 +11669,7 @@
               </a:ln>
               <a:extLst>
                 <a:ext uri="{91240B29-F687-4f45-9708-019B960494DF}">
-                  <a14:hiddenLine xmlns:a14="http://schemas.microsoft.com/office/drawing/2010/main" xmlns="" w="9525">
+                  <a14:hiddenLine xmlns="" xmlns:a14="http://schemas.microsoft.com/office/drawing/2010/main" w="9525">
                     <a:solidFill>
                       <a:srgbClr val="000000"/>
                     </a:solidFill>
@@ -11754,7 +11759,7 @@
               </a:ln>
               <a:extLst>
                 <a:ext uri="{91240B29-F687-4f45-9708-019B960494DF}">
-                  <a14:hiddenLine xmlns:a14="http://schemas.microsoft.com/office/drawing/2010/main" xmlns="" w="9525">
+                  <a14:hiddenLine xmlns="" xmlns:a14="http://schemas.microsoft.com/office/drawing/2010/main" w="9525">
                     <a:solidFill>
                       <a:srgbClr val="000000"/>
                     </a:solidFill>
@@ -11788,7 +11793,7 @@
               </a:ln>
               <a:extLst>
                 <a:ext uri="{91240B29-F687-4f45-9708-019B960494DF}">
-                  <a14:hiddenLine xmlns:a14="http://schemas.microsoft.com/office/drawing/2010/main" xmlns="" w="9525">
+                  <a14:hiddenLine xmlns="" xmlns:a14="http://schemas.microsoft.com/office/drawing/2010/main" w="9525">
                     <a:solidFill>
                       <a:srgbClr val="000000"/>
                     </a:solidFill>
@@ -12441,6 +12446,28 @@
             </a:r>
             <a:endParaRPr lang="de-DE" cap="none" dirty="0"/>
           </a:p>
+          <a:p>
+            <a:r>
+              <a:rPr lang="de-DE" cap="none" dirty="0"/>
+              <a:t>Felix </a:t>
+            </a:r>
+            <a:r>
+              <a:rPr lang="de-DE" cap="none" dirty="0" err="1"/>
+              <a:t>Wehnert</a:t>
+            </a:r>
+            <a:endParaRPr lang="de-DE" cap="none" dirty="0"/>
+          </a:p>
+          <a:p>
+            <a:r>
+              <a:rPr lang="de-DE" cap="none" dirty="0"/>
+              <a:t>Jonas </a:t>
+            </a:r>
+            <a:r>
+              <a:rPr lang="de-DE" cap="none" dirty="0" err="1"/>
+              <a:t>Schlabertz</a:t>
+            </a:r>
+            <a:endParaRPr lang="de-DE" cap="none" dirty="0"/>
+          </a:p>
         </p:txBody>
       </p:sp>
       <p:pic>
